--- a/LAYOUT_PORTFOLIO.pptx
+++ b/LAYOUT_PORTFOLIO.pptx
@@ -7,8 +7,7 @@
   <p:sldIdLst>
     <p:sldId id="256" r:id="rId3"/>
     <p:sldId id="261" r:id="rId4"/>
-    <p:sldId id="265" r:id="rId5"/>
-    <p:sldId id="263" r:id="rId6"/>
+    <p:sldId id="263" r:id="rId5"/>
   </p:sldIdLst>
   <p:sldSz cx="12192000" cy="6858000"/>
   <p:notesSz cx="6858000" cy="9144000"/>
@@ -110,12 +109,12 @@
   <p:extLst>
     <p:ext uri="{EFAFB233-063F-42B5-8137-9DF3F51BA10A}">
       <p15:sldGuideLst xmlns:p15="http://schemas.microsoft.com/office/powerpoint/2012/main">
-        <p15:guide id="1" orient="horz" pos="2048" userDrawn="1">
+        <p15:guide id="1" orient="horz" pos="2079" userDrawn="1">
           <p15:clr>
             <a:srgbClr val="A4A3A4"/>
           </p15:clr>
         </p15:guide>
-        <p15:guide id="2" pos="3840" userDrawn="1">
+        <p15:guide id="2" pos="3852" userDrawn="1">
           <p15:clr>
             <a:srgbClr val="A4A3A4"/>
           </p15:clr>
@@ -3446,48 +3445,6 @@
       </p:sp>
       <p:sp>
         <p:nvSpPr>
-          <p:cNvPr id="10" name="Text Box 9"/>
-          <p:cNvSpPr txBox="1"/>
-          <p:nvPr/>
-        </p:nvSpPr>
-        <p:spPr>
-          <a:xfrm>
-            <a:off x="3542665" y="1790700"/>
-            <a:ext cx="6096000" cy="838200"/>
-          </a:xfrm>
-          <a:prstGeom prst="rect">
-            <a:avLst/>
-          </a:prstGeom>
-          <a:noFill/>
-        </p:spPr>
-        <p:txBody>
-          <a:bodyPr wrap="square" rtlCol="0">
-            <a:noAutofit/>
-          </a:bodyPr>
-          <a:p>
-            <a:pPr algn="ctr"/>
-            <a:r>
-              <a:rPr lang="en-PH" altLang="en-GB" sz="3000" b="1">
-                <a:solidFill>
-                  <a:schemeClr val="tx1"/>
-                </a:solidFill>
-                <a:latin typeface="Segoe UI Black" panose="020B0A02040204020203" charset="0"/>
-                <a:cs typeface="Segoe UI Black" panose="020B0A02040204020203" charset="0"/>
-              </a:rPr>
-              <a:t>ABOUT ME</a:t>
-            </a:r>
-            <a:endParaRPr lang="en-PH" altLang="en-GB" sz="3000" b="1">
-              <a:solidFill>
-                <a:schemeClr val="tx1"/>
-              </a:solidFill>
-              <a:latin typeface="Segoe UI Black" panose="020B0A02040204020203" charset="0"/>
-              <a:cs typeface="Segoe UI Black" panose="020B0A02040204020203" charset="0"/>
-            </a:endParaRPr>
-          </a:p>
-        </p:txBody>
-      </p:sp>
-      <p:sp>
-        <p:nvSpPr>
           <p:cNvPr id="2" name="Oval 1"/>
           <p:cNvSpPr/>
           <p:nvPr/>
@@ -3531,6 +3488,31 @@
           </a:p>
         </p:txBody>
       </p:sp>
+      <p:pic>
+        <p:nvPicPr>
+          <p:cNvPr id="11" name="Picture 10" descr="9c688361-a0ab-4b0d-8b8a-211d72e367dc-removebg-preview"/>
+          <p:cNvPicPr>
+            <a:picLocks noChangeAspect="1"/>
+          </p:cNvPicPr>
+          <p:nvPr/>
+        </p:nvPicPr>
+        <p:blipFill>
+          <a:blip r:embed="rId1"/>
+          <a:srcRect t="7661" b="31256"/>
+          <a:stretch>
+            <a:fillRect/>
+          </a:stretch>
+        </p:blipFill>
+        <p:spPr>
+          <a:xfrm>
+            <a:off x="1903095" y="1692275"/>
+            <a:ext cx="3981450" cy="3473450"/>
+          </a:xfrm>
+          <a:prstGeom prst="rect">
+            <a:avLst/>
+          </a:prstGeom>
+        </p:spPr>
+      </p:pic>
     </p:spTree>
   </p:cSld>
   <p:clrMapOvr>
@@ -3540,319 +3522,6 @@
 </file>
 
 <file path=ppt/slides/slide3.xml><?xml version="1.0" encoding="utf-8"?>
-<p:sld xmlns:a="http://schemas.openxmlformats.org/drawingml/2006/main" xmlns:r="http://schemas.openxmlformats.org/officeDocument/2006/relationships" xmlns:p="http://schemas.openxmlformats.org/presentationml/2006/main">
-  <p:cSld>
-    <p:bg>
-      <p:bgPr>
-        <a:solidFill>
-          <a:srgbClr val="EFD0F7"/>
-        </a:solidFill>
-        <a:effectLst/>
-      </p:bgPr>
-    </p:bg>
-    <p:spTree>
-      <p:nvGrpSpPr>
-        <p:cNvPr id="1" name=""/>
-        <p:cNvGrpSpPr/>
-        <p:nvPr/>
-      </p:nvGrpSpPr>
-      <p:grpSpPr>
-        <a:xfrm>
-          <a:off x="0" y="0"/>
-          <a:ext cx="0" cy="0"/>
-          <a:chOff x="0" y="0"/>
-          <a:chExt cx="0" cy="0"/>
-        </a:xfrm>
-      </p:grpSpPr>
-      <p:sp>
-        <p:nvSpPr>
-          <p:cNvPr id="4" name="Rounded Rectangle 3"/>
-          <p:cNvSpPr/>
-          <p:nvPr/>
-        </p:nvSpPr>
-        <p:spPr>
-          <a:xfrm>
-            <a:off x="-635" y="604520"/>
-            <a:ext cx="996950" cy="5506720"/>
-          </a:xfrm>
-          <a:prstGeom prst="roundRect">
-            <a:avLst>
-              <a:gd name="adj" fmla="val 50000"/>
-            </a:avLst>
-          </a:prstGeom>
-          <a:gradFill>
-            <a:gsLst>
-              <a:gs pos="100000">
-                <a:srgbClr val="EFD0F7"/>
-              </a:gs>
-              <a:gs pos="53000">
-                <a:srgbClr val="7030A0"/>
-              </a:gs>
-              <a:gs pos="0">
-                <a:srgbClr val="EFD0F7"/>
-              </a:gs>
-            </a:gsLst>
-            <a:lin ang="5400000" scaled="0"/>
-          </a:gradFill>
-          <a:ln>
-            <a:noFill/>
-          </a:ln>
-        </p:spPr>
-        <p:style>
-          <a:lnRef idx="2">
-            <a:schemeClr val="accent1">
-              <a:lumMod val="75000"/>
-            </a:schemeClr>
-          </a:lnRef>
-          <a:fillRef idx="1">
-            <a:schemeClr val="accent1"/>
-          </a:fillRef>
-          <a:effectRef idx="0">
-            <a:srgbClr val="FFFFFF"/>
-          </a:effectRef>
-          <a:fontRef idx="minor">
-            <a:schemeClr val="lt1"/>
-          </a:fontRef>
-        </p:style>
-        <p:txBody>
-          <a:bodyPr rtlCol="0" anchor="ctr"/>
-          <a:p>
-            <a:pPr algn="ctr"/>
-            <a:endParaRPr lang="en-GB" altLang="en-US"/>
-          </a:p>
-        </p:txBody>
-      </p:sp>
-      <p:sp>
-        <p:nvSpPr>
-          <p:cNvPr id="6" name="Oval 5"/>
-          <p:cNvSpPr/>
-          <p:nvPr/>
-        </p:nvSpPr>
-        <p:spPr>
-          <a:xfrm>
-            <a:off x="260350" y="2517140"/>
-            <a:ext cx="474345" cy="474345"/>
-          </a:xfrm>
-          <a:prstGeom prst="ellipse">
-            <a:avLst/>
-          </a:prstGeom>
-          <a:solidFill>
-            <a:schemeClr val="bg2"/>
-          </a:solidFill>
-          <a:ln>
-            <a:noFill/>
-          </a:ln>
-        </p:spPr>
-        <p:style>
-          <a:lnRef idx="2">
-            <a:schemeClr val="accent1">
-              <a:lumMod val="75000"/>
-            </a:schemeClr>
-          </a:lnRef>
-          <a:fillRef idx="1">
-            <a:schemeClr val="accent1"/>
-          </a:fillRef>
-          <a:effectRef idx="0">
-            <a:srgbClr val="FFFFFF"/>
-          </a:effectRef>
-          <a:fontRef idx="minor">
-            <a:schemeClr val="lt1"/>
-          </a:fontRef>
-        </p:style>
-        <p:txBody>
-          <a:bodyPr rtlCol="0" anchor="ctr"/>
-          <a:p>
-            <a:pPr algn="ctr"/>
-            <a:endParaRPr lang="en-GB" altLang="en-US"/>
-          </a:p>
-        </p:txBody>
-      </p:sp>
-      <p:sp>
-        <p:nvSpPr>
-          <p:cNvPr id="7" name="Oval 6"/>
-          <p:cNvSpPr/>
-          <p:nvPr/>
-        </p:nvSpPr>
-        <p:spPr>
-          <a:xfrm>
-            <a:off x="260350" y="1459865"/>
-            <a:ext cx="474345" cy="474345"/>
-          </a:xfrm>
-          <a:prstGeom prst="ellipse">
-            <a:avLst/>
-          </a:prstGeom>
-          <a:solidFill>
-            <a:schemeClr val="bg2"/>
-          </a:solidFill>
-          <a:ln>
-            <a:noFill/>
-          </a:ln>
-        </p:spPr>
-        <p:style>
-          <a:lnRef idx="2">
-            <a:schemeClr val="accent1">
-              <a:lumMod val="75000"/>
-            </a:schemeClr>
-          </a:lnRef>
-          <a:fillRef idx="1">
-            <a:schemeClr val="accent1"/>
-          </a:fillRef>
-          <a:effectRef idx="0">
-            <a:srgbClr val="FFFFFF"/>
-          </a:effectRef>
-          <a:fontRef idx="minor">
-            <a:schemeClr val="lt1"/>
-          </a:fontRef>
-        </p:style>
-        <p:txBody>
-          <a:bodyPr rtlCol="0" anchor="ctr"/>
-          <a:p>
-            <a:pPr algn="ctr"/>
-            <a:endParaRPr lang="en-GB" altLang="en-US"/>
-          </a:p>
-        </p:txBody>
-      </p:sp>
-      <p:sp>
-        <p:nvSpPr>
-          <p:cNvPr id="8" name="Oval 7"/>
-          <p:cNvSpPr/>
-          <p:nvPr/>
-        </p:nvSpPr>
-        <p:spPr>
-          <a:xfrm>
-            <a:off x="260350" y="3574415"/>
-            <a:ext cx="474345" cy="474345"/>
-          </a:xfrm>
-          <a:prstGeom prst="ellipse">
-            <a:avLst/>
-          </a:prstGeom>
-          <a:solidFill>
-            <a:schemeClr val="bg2"/>
-          </a:solidFill>
-          <a:ln>
-            <a:noFill/>
-          </a:ln>
-        </p:spPr>
-        <p:style>
-          <a:lnRef idx="2">
-            <a:schemeClr val="accent1">
-              <a:lumMod val="75000"/>
-            </a:schemeClr>
-          </a:lnRef>
-          <a:fillRef idx="1">
-            <a:schemeClr val="accent1"/>
-          </a:fillRef>
-          <a:effectRef idx="0">
-            <a:srgbClr val="FFFFFF"/>
-          </a:effectRef>
-          <a:fontRef idx="minor">
-            <a:schemeClr val="lt1"/>
-          </a:fontRef>
-        </p:style>
-        <p:txBody>
-          <a:bodyPr rtlCol="0" anchor="ctr"/>
-          <a:p>
-            <a:pPr algn="ctr"/>
-            <a:endParaRPr lang="en-GB" altLang="en-US"/>
-          </a:p>
-        </p:txBody>
-      </p:sp>
-      <p:sp>
-        <p:nvSpPr>
-          <p:cNvPr id="10" name="Text Box 9"/>
-          <p:cNvSpPr txBox="1"/>
-          <p:nvPr/>
-        </p:nvSpPr>
-        <p:spPr>
-          <a:xfrm>
-            <a:off x="3542665" y="1790700"/>
-            <a:ext cx="6096000" cy="838200"/>
-          </a:xfrm>
-          <a:prstGeom prst="rect">
-            <a:avLst/>
-          </a:prstGeom>
-          <a:noFill/>
-        </p:spPr>
-        <p:txBody>
-          <a:bodyPr wrap="square" rtlCol="0">
-            <a:noAutofit/>
-          </a:bodyPr>
-          <a:p>
-            <a:pPr algn="ctr"/>
-            <a:r>
-              <a:rPr lang="en-PH" altLang="en-GB" sz="3000" b="1">
-                <a:solidFill>
-                  <a:schemeClr val="tx1"/>
-                </a:solidFill>
-                <a:latin typeface="Segoe UI Black" panose="020B0A02040204020203" charset="0"/>
-                <a:cs typeface="Segoe UI Black" panose="020B0A02040204020203" charset="0"/>
-              </a:rPr>
-              <a:t>ABOUT ME</a:t>
-            </a:r>
-            <a:endParaRPr lang="en-PH" altLang="en-GB" sz="3000" b="1">
-              <a:solidFill>
-                <a:schemeClr val="tx1"/>
-              </a:solidFill>
-              <a:latin typeface="Segoe UI Black" panose="020B0A02040204020203" charset="0"/>
-              <a:cs typeface="Segoe UI Black" panose="020B0A02040204020203" charset="0"/>
-            </a:endParaRPr>
-          </a:p>
-        </p:txBody>
-      </p:sp>
-      <p:sp>
-        <p:nvSpPr>
-          <p:cNvPr id="2" name="Oval 1"/>
-          <p:cNvSpPr/>
-          <p:nvPr/>
-        </p:nvSpPr>
-        <p:spPr>
-          <a:xfrm>
-            <a:off x="260350" y="4678680"/>
-            <a:ext cx="474345" cy="474345"/>
-          </a:xfrm>
-          <a:prstGeom prst="ellipse">
-            <a:avLst/>
-          </a:prstGeom>
-          <a:solidFill>
-            <a:schemeClr val="bg2"/>
-          </a:solidFill>
-          <a:ln>
-            <a:noFill/>
-          </a:ln>
-        </p:spPr>
-        <p:style>
-          <a:lnRef idx="2">
-            <a:schemeClr val="accent1">
-              <a:lumMod val="75000"/>
-            </a:schemeClr>
-          </a:lnRef>
-          <a:fillRef idx="1">
-            <a:schemeClr val="accent1"/>
-          </a:fillRef>
-          <a:effectRef idx="0">
-            <a:srgbClr val="FFFFFF"/>
-          </a:effectRef>
-          <a:fontRef idx="minor">
-            <a:schemeClr val="lt1"/>
-          </a:fontRef>
-        </p:style>
-        <p:txBody>
-          <a:bodyPr rtlCol="0" anchor="ctr"/>
-          <a:p>
-            <a:pPr algn="ctr"/>
-            <a:endParaRPr lang="en-GB" altLang="en-US"/>
-          </a:p>
-        </p:txBody>
-      </p:sp>
-    </p:spTree>
-  </p:cSld>
-  <p:clrMapOvr>
-    <a:masterClrMapping/>
-  </p:clrMapOvr>
-</p:sld>
-</file>
-
-<file path=ppt/slides/slide4.xml><?xml version="1.0" encoding="utf-8"?>
 <p:sld xmlns:a="http://schemas.openxmlformats.org/drawingml/2006/main" xmlns:r="http://schemas.openxmlformats.org/officeDocument/2006/relationships" xmlns:p="http://schemas.openxmlformats.org/presentationml/2006/main">
   <p:cSld>
     <p:bg>

--- a/LAYOUT_PORTFOLIO.pptx
+++ b/LAYOUT_PORTFOLIO.pptx
@@ -109,7 +109,7 @@
   <p:extLst>
     <p:ext uri="{EFAFB233-063F-42B5-8137-9DF3F51BA10A}">
       <p15:sldGuideLst xmlns:p15="http://schemas.microsoft.com/office/powerpoint/2012/main">
-        <p15:guide id="1" orient="horz" pos="2079" userDrawn="1">
+        <p15:guide id="1" orient="horz" pos="2115" userDrawn="1">
           <p15:clr>
             <a:srgbClr val="A4A3A4"/>
           </p15:clr>
